--- a/poster_presentation/law_school_poster.pptx
+++ b/poster_presentation/law_school_poster.pptx
@@ -3197,8 +3197,8 @@
         </p:nvSpPr>
         <p:spPr>
           <a:xfrm>
-            <a:off x="-12635" y="12462317"/>
-            <a:ext cx="11975690" cy="2554545"/>
+            <a:off x="0" y="12553420"/>
+            <a:ext cx="13434558" cy="2554545"/>
           </a:xfrm>
           <a:prstGeom prst="rect">
             <a:avLst/>
@@ -3300,8 +3300,8 @@
         </p:nvSpPr>
         <p:spPr>
           <a:xfrm>
-            <a:off x="0" y="18985510"/>
-            <a:ext cx="11975690" cy="3131627"/>
+            <a:off x="0" y="21677556"/>
+            <a:ext cx="13434558" cy="3131627"/>
           </a:xfrm>
           <a:prstGeom prst="rect">
             <a:avLst/>
@@ -3448,7 +3448,7 @@
         </p:nvSpPr>
         <p:spPr>
           <a:xfrm>
-            <a:off x="31996408" y="12685772"/>
+            <a:off x="31913162" y="12647922"/>
             <a:ext cx="11975690" cy="707886"/>
           </a:xfrm>
           <a:prstGeom prst="rect">
@@ -3877,6 +3877,66 @@
           </a:p>
         </p:txBody>
       </p:sp>
+      <p:pic>
+        <p:nvPicPr>
+          <p:cNvPr id="15" name="image1.png">
+            <a:extLst>
+              <a:ext uri="{FF2B5EF4-FFF2-40B4-BE49-F238E27FC236}">
+                <a16:creationId xmlns:a16="http://schemas.microsoft.com/office/drawing/2014/main" id="{6EFEA958-915F-4FDF-B4EE-344B589858E8}"/>
+              </a:ext>
+            </a:extLst>
+          </p:cNvPr>
+          <p:cNvPicPr/>
+          <p:nvPr/>
+        </p:nvPicPr>
+        <p:blipFill>
+          <a:blip r:embed="rId8"/>
+          <a:srcRect l="961" t="2058"/>
+          <a:stretch>
+            <a:fillRect/>
+          </a:stretch>
+        </p:blipFill>
+        <p:spPr>
+          <a:xfrm>
+            <a:off x="15228327" y="12106057"/>
+            <a:ext cx="13434558" cy="8706286"/>
+          </a:xfrm>
+          <a:prstGeom prst="rect">
+            <a:avLst/>
+          </a:prstGeom>
+          <a:ln/>
+        </p:spPr>
+      </p:pic>
+      <p:pic>
+        <p:nvPicPr>
+          <p:cNvPr id="16" name="image2.png">
+            <a:extLst>
+              <a:ext uri="{FF2B5EF4-FFF2-40B4-BE49-F238E27FC236}">
+                <a16:creationId xmlns:a16="http://schemas.microsoft.com/office/drawing/2014/main" id="{EFE194F9-E6A9-4607-8EA9-079D842296FB}"/>
+              </a:ext>
+            </a:extLst>
+          </p:cNvPr>
+          <p:cNvPicPr/>
+          <p:nvPr/>
+        </p:nvPicPr>
+        <p:blipFill>
+          <a:blip r:embed="rId9"/>
+          <a:srcRect/>
+          <a:stretch>
+            <a:fillRect/>
+          </a:stretch>
+        </p:blipFill>
+        <p:spPr>
+          <a:xfrm>
+            <a:off x="0" y="15350864"/>
+            <a:ext cx="13434558" cy="5606449"/>
+          </a:xfrm>
+          <a:prstGeom prst="rect">
+            <a:avLst/>
+          </a:prstGeom>
+          <a:ln/>
+        </p:spPr>
+      </p:pic>
     </p:spTree>
     <p:extLst>
       <p:ext uri="{BB962C8B-B14F-4D97-AF65-F5344CB8AC3E}">
